--- a/topic03/talk-2/modelingII.pptx
+++ b/topic03/talk-2/modelingII.pptx
@@ -122,7 +122,7 @@
   </p:defaultTextStyle>
   <p:extLst>
     <p:ext uri="{EFAFB233-063F-42B5-8137-9DF3F51BA10A}">
-      <p15:sldGuideLst xmlns:p15="http://schemas.microsoft.com/office/powerpoint/2012/main" xmlns="">
+      <p15:sldGuideLst xmlns="" xmlns:p15="http://schemas.microsoft.com/office/powerpoint/2012/main">
         <p15:guide id="1" orient="horz" pos="2160">
           <p15:clr>
             <a:srgbClr val="A4A3A4"/>
@@ -221,7 +221,7 @@
           <a:p>
             <a:fld id="{66F332A7-8841-4108-896E-7A167BF10CA9}" type="datetimeFigureOut">
               <a:rPr lang="en-IE" smtClean="0"/>
-              <a:t>27/02/2015</a:t>
+              <a:t>22/02/2016</a:t>
             </a:fld>
             <a:endParaRPr lang="en-IE"/>
           </a:p>
@@ -535,11 +535,43 @@
           <a:p>
             <a:r>
               <a:rPr lang="en-GB" dirty="0" smtClean="0"/>
-              <a:t>The proper</a:t>
+              <a:t>Common</a:t>
             </a:r>
             <a:r>
               <a:rPr lang="en-GB" baseline="0" dirty="0" smtClean="0"/>
-              <a:t> model to use depends on the scope of the data. E.g. the data might show stability in part of a year and then increase rapidly. By including early data the long term functional relationship might not adequately express the short term trend. You must choose the proper amount of data for analysis. All predictive models are risky. </a:t>
+              <a:t> mathematical functions:</a:t>
+            </a:r>
+          </a:p>
+          <a:p>
+            <a:r>
+              <a:rPr lang="en-GB" baseline="0" dirty="0" smtClean="0"/>
+              <a:t>Logarithmic for rate of change that is variable (</a:t>
+            </a:r>
+            <a:r>
+              <a:rPr lang="en-GB" baseline="0" dirty="0" err="1" smtClean="0"/>
+              <a:t>i.e</a:t>
+            </a:r>
+            <a:r>
+              <a:rPr lang="en-GB" baseline="0" dirty="0" smtClean="0"/>
+              <a:t> not linear growth)</a:t>
+            </a:r>
+          </a:p>
+          <a:p>
+            <a:r>
+              <a:rPr lang="en-GB" baseline="0" dirty="0" smtClean="0"/>
+              <a:t>Polynomial: one hill or valley</a:t>
+            </a:r>
+          </a:p>
+          <a:p>
+            <a:r>
+              <a:rPr lang="en-GB" baseline="0" dirty="0" smtClean="0"/>
+              <a:t>Power: increase at a specific rate</a:t>
+            </a:r>
+          </a:p>
+          <a:p>
+            <a:r>
+              <a:rPr lang="en-GB" baseline="0" dirty="0" smtClean="0"/>
+              <a:t>Exponential: y rises or falls at constantly increasing rates</a:t>
             </a:r>
             <a:endParaRPr lang="en-GB" dirty="0"/>
           </a:p>
@@ -562,7 +594,7 @@
           <a:p>
             <a:fld id="{FAC7228E-FB6A-49D8-BE6B-9A7EBC95761B}" type="slidenum">
               <a:rPr lang="en-IE" smtClean="0"/>
-              <a:t>3</a:t>
+              <a:t>2</a:t>
             </a:fld>
             <a:endParaRPr lang="en-IE"/>
           </a:p>
@@ -571,7 +603,7 @@
     </p:spTree>
     <p:extLst>
       <p:ext uri="{BB962C8B-B14F-4D97-AF65-F5344CB8AC3E}">
-        <p14:creationId xmlns:p14="http://schemas.microsoft.com/office/powerpoint/2010/main" val="2498637802"/>
+        <p14:creationId xmlns:p14="http://schemas.microsoft.com/office/powerpoint/2010/main" val="2358397392"/>
       </p:ext>
     </p:extLst>
   </p:cSld>
@@ -627,6 +659,98 @@
           <a:p>
             <a:r>
               <a:rPr lang="en-GB" dirty="0" smtClean="0"/>
+              <a:t>Calculated project completion time. Max, min and if</a:t>
+            </a:r>
+            <a:r>
+              <a:rPr lang="en-GB" baseline="0" dirty="0" smtClean="0"/>
+              <a:t> functions used. Depends on time for activity, there is a slack for each activity depending on the activity dependencies.</a:t>
+            </a:r>
+            <a:endParaRPr lang="en-GB" dirty="0"/>
+          </a:p>
+        </p:txBody>
+      </p:sp>
+      <p:sp>
+        <p:nvSpPr>
+          <p:cNvPr id="4" name="Slide Number Placeholder 3"/>
+          <p:cNvSpPr>
+            <a:spLocks noGrp="1"/>
+          </p:cNvSpPr>
+          <p:nvPr>
+            <p:ph type="sldNum" sz="quarter" idx="10"/>
+          </p:nvPr>
+        </p:nvSpPr>
+        <p:spPr/>
+        <p:txBody>
+          <a:bodyPr/>
+          <a:lstStyle/>
+          <a:p>
+            <a:fld id="{FAC7228E-FB6A-49D8-BE6B-9A7EBC95761B}" type="slidenum">
+              <a:rPr lang="en-IE" smtClean="0"/>
+              <a:t>11</a:t>
+            </a:fld>
+            <a:endParaRPr lang="en-IE"/>
+          </a:p>
+        </p:txBody>
+      </p:sp>
+    </p:spTree>
+    <p:extLst>
+      <p:ext uri="{BB962C8B-B14F-4D97-AF65-F5344CB8AC3E}">
+        <p14:creationId xmlns:p14="http://schemas.microsoft.com/office/powerpoint/2010/main" val="3639205739"/>
+      </p:ext>
+    </p:extLst>
+  </p:cSld>
+  <p:clrMapOvr>
+    <a:masterClrMapping/>
+  </p:clrMapOvr>
+</p:notes>
+</file>
+
+<file path=ppt/notesSlides/notesSlide11.xml><?xml version="1.0" encoding="utf-8"?>
+<p:notes xmlns:a="http://schemas.openxmlformats.org/drawingml/2006/main" xmlns:r="http://schemas.openxmlformats.org/officeDocument/2006/relationships" xmlns:p="http://schemas.openxmlformats.org/presentationml/2006/main">
+  <p:cSld>
+    <p:spTree>
+      <p:nvGrpSpPr>
+        <p:cNvPr id="1" name=""/>
+        <p:cNvGrpSpPr/>
+        <p:nvPr/>
+      </p:nvGrpSpPr>
+      <p:grpSpPr>
+        <a:xfrm>
+          <a:off x="0" y="0"/>
+          <a:ext cx="0" cy="0"/>
+          <a:chOff x="0" y="0"/>
+          <a:chExt cx="0" cy="0"/>
+        </a:xfrm>
+      </p:grpSpPr>
+      <p:sp>
+        <p:nvSpPr>
+          <p:cNvPr id="2" name="Slide Image Placeholder 1"/>
+          <p:cNvSpPr>
+            <a:spLocks noGrp="1" noRot="1" noChangeAspect="1"/>
+          </p:cNvSpPr>
+          <p:nvPr>
+            <p:ph type="sldImg"/>
+          </p:nvPr>
+        </p:nvSpPr>
+        <p:spPr/>
+      </p:sp>
+      <p:sp>
+        <p:nvSpPr>
+          <p:cNvPr id="3" name="Notes Placeholder 2"/>
+          <p:cNvSpPr>
+            <a:spLocks noGrp="1"/>
+          </p:cNvSpPr>
+          <p:nvPr>
+            <p:ph type="body" idx="1"/>
+          </p:nvPr>
+        </p:nvSpPr>
+        <p:spPr/>
+        <p:txBody>
+          <a:bodyPr/>
+          <a:lstStyle/>
+          <a:p>
+            <a:r>
+              <a:rPr lang="en-GB" dirty="0" smtClean="0"/>
               <a:t>Models cannot capture every detail of the real problem, and managers must understand the limitations of models</a:t>
             </a:r>
             <a:r>
@@ -693,7 +817,7 @@
 </p:notes>
 </file>
 
-<file path=ppt/notesSlides/notesSlide11.xml><?xml version="1.0" encoding="utf-8"?>
+<file path=ppt/notesSlides/notesSlide12.xml><?xml version="1.0" encoding="utf-8"?>
 <p:notes xmlns:a="http://schemas.openxmlformats.org/drawingml/2006/main" xmlns:r="http://schemas.openxmlformats.org/officeDocument/2006/relationships" xmlns:p="http://schemas.openxmlformats.org/presentationml/2006/main">
   <p:cSld>
     <p:spTree>
@@ -841,77 +965,39 @@
           <a:p>
             <a:r>
               <a:rPr lang="en-GB" dirty="0" smtClean="0"/>
-              <a:t>Spreadsheets should be accurate. Errors can be disastrous. A large investment</a:t>
+              <a:t>For example crude oil prices on the first Friday of each month for 2 and half years, you can</a:t>
             </a:r>
             <a:r>
               <a:rPr lang="en-GB" baseline="0" dirty="0" smtClean="0"/>
-              <a:t> company once made a $2.6 billion error. They notified shareholders of a big dividend </a:t>
+              <a:t> use the </a:t>
             </a:r>
             <a:r>
               <a:rPr lang="en-GB" baseline="0" dirty="0" err="1" smtClean="0"/>
-              <a:t>payout</a:t>
+              <a:t>trendline</a:t>
             </a:r>
             <a:r>
               <a:rPr lang="en-GB" baseline="0" dirty="0" smtClean="0"/>
-              <a:t> due, luckily they caught the error before sending the cheques.</a:t>
-            </a:r>
-          </a:p>
-          <a:p>
+              <a:t> tool to fit each different function to the data to see what fits best. In this case it was the third order polynomial.</a:t>
+            </a:r>
+            <a:endParaRPr lang="en-GB" dirty="0" smtClean="0"/>
+          </a:p>
+          <a:p>
+            <a:r>
+              <a:rPr lang="en-GB" dirty="0" smtClean="0"/>
+              <a:t>The </a:t>
+            </a:r>
+            <a:r>
+              <a:rPr lang="en-GB" dirty="0" smtClean="0"/>
+              <a:t>proper</a:t>
+            </a:r>
             <a:r>
               <a:rPr lang="en-GB" baseline="0" dirty="0" smtClean="0"/>
-              <a:t>Industry surveys estimate that more than 90% of spreadsheets with more than 150 rows were incorrect by at least 5%.</a:t>
-            </a:r>
-          </a:p>
-          <a:p>
+              <a:t> model to use depends on the scope of the data. E.g. the data might show stability in part of a year and then increase rapidly. By including early data the long term functional relationship might not adequately express the short term trend. You must choose the proper amount of data for analysis. All predictive models are risky. </a:t>
+            </a:r>
             <a:r>
               <a:rPr lang="en-GB" baseline="0" dirty="0" smtClean="0"/>
-              <a:t>Verification is the </a:t>
-            </a:r>
-            <a:r>
-              <a:rPr lang="en-GB" baseline="0" dirty="0" err="1" smtClean="0"/>
-              <a:t>proces</a:t>
-            </a:r>
-            <a:r>
-              <a:rPr lang="en-GB" baseline="0" dirty="0" smtClean="0"/>
-              <a:t> of ensuring that a model is accurate and free from logical errors. How do we do this?</a:t>
-            </a:r>
-          </a:p>
-          <a:p>
-            <a:endParaRPr lang="en-GB" baseline="0" dirty="0" smtClean="0"/>
-          </a:p>
-          <a:p>
-            <a:r>
-              <a:rPr lang="en-GB" baseline="0" dirty="0" smtClean="0"/>
-              <a:t>Design: once inputs </a:t>
-            </a:r>
-            <a:r>
-              <a:rPr lang="en-GB" baseline="0" dirty="0" err="1" smtClean="0"/>
-              <a:t>etc</a:t>
-            </a:r>
-            <a:r>
-              <a:rPr lang="en-GB" baseline="0" dirty="0" smtClean="0"/>
-              <a:t> are understood a sketch of model should be designed, separate model inputs from model itself, break complex formulas into smaller parts, easier to read and check results.</a:t>
-            </a:r>
-          </a:p>
-          <a:p>
-            <a:r>
-              <a:rPr lang="en-GB" baseline="0" dirty="0" smtClean="0"/>
-              <a:t>Process: work on each part of model and then move on to the next part to ensure it is correct. Check formulas with simple known numbers. Define names for cells, and be careful referencing cells.</a:t>
-            </a:r>
-          </a:p>
-          <a:p>
-            <a:r>
-              <a:rPr lang="en-GB" baseline="0" dirty="0" smtClean="0"/>
-              <a:t>Inspect: validation – check for a whole number if that is what the formula should have for an input.</a:t>
-            </a:r>
-          </a:p>
-          <a:p>
-            <a:endParaRPr lang="en-GB" baseline="0" dirty="0" smtClean="0"/>
-          </a:p>
-          <a:p>
-            <a:endParaRPr lang="en-GB" baseline="0" dirty="0" smtClean="0"/>
-          </a:p>
-          <a:p>
+              <a:t>If we omitted some of the early data a different function could yield a more accurate prediction of the price of oil in 6 months after our data ends.</a:t>
+            </a:r>
             <a:endParaRPr lang="en-GB" dirty="0"/>
           </a:p>
         </p:txBody>
@@ -933,7 +1019,7 @@
           <a:p>
             <a:fld id="{FAC7228E-FB6A-49D8-BE6B-9A7EBC95761B}" type="slidenum">
               <a:rPr lang="en-IE" smtClean="0"/>
-              <a:t>4</a:t>
+              <a:t>3</a:t>
             </a:fld>
             <a:endParaRPr lang="en-IE"/>
           </a:p>
@@ -942,7 +1028,7 @@
     </p:spTree>
     <p:extLst>
       <p:ext uri="{BB962C8B-B14F-4D97-AF65-F5344CB8AC3E}">
-        <p14:creationId xmlns:p14="http://schemas.microsoft.com/office/powerpoint/2010/main" val="1272780855"/>
+        <p14:creationId xmlns:p14="http://schemas.microsoft.com/office/powerpoint/2010/main" val="2498637802"/>
       </p:ext>
     </p:extLst>
   </p:cSld>
@@ -998,36 +1084,80 @@
           <a:p>
             <a:r>
               <a:rPr lang="en-GB" dirty="0" smtClean="0"/>
-              <a:t>Many models use basic financial analysis. One example is the decision</a:t>
+              <a:t>Spreadsheets should be accurate. Errors can be disastrous. A large investment</a:t>
             </a:r>
             <a:r>
               <a:rPr lang="en-GB" baseline="0" dirty="0" smtClean="0"/>
-              <a:t> to launch a new product. Pharmaceutical industry, process of </a:t>
+              <a:t> company once made a $2.6 billion error. They notified shareholders of a big dividend </a:t>
             </a:r>
             <a:r>
               <a:rPr lang="en-GB" baseline="0" dirty="0" err="1" smtClean="0"/>
-              <a:t>r&amp;d</a:t>
+              <a:t>payout</a:t>
             </a:r>
             <a:r>
               <a:rPr lang="en-GB" baseline="0" dirty="0" smtClean="0"/>
-              <a:t> is long and costly. This example is where a potential drug is developed and they need to decide whether to bring it to clinical trials or not. </a:t>
+              <a:t> due, luckily they caught the error before sending the cheques.</a:t>
+            </a:r>
+          </a:p>
+          <a:p>
+            <a:r>
+              <a:rPr lang="en-GB" baseline="0" dirty="0" smtClean="0"/>
+              <a:t>Industry surveys estimate that more than 90% of spreadsheets with more than 150 rows were incorrect by at least 5%.</a:t>
+            </a:r>
+          </a:p>
+          <a:p>
+            <a:r>
+              <a:rPr lang="en-GB" baseline="0" dirty="0" smtClean="0"/>
+              <a:t>Verification is the </a:t>
             </a:r>
             <a:r>
               <a:rPr lang="en-GB" baseline="0" dirty="0" err="1" smtClean="0"/>
-              <a:t>R&amp;d</a:t>
+              <a:t>proces</a:t>
             </a:r>
             <a:r>
               <a:rPr lang="en-GB" baseline="0" dirty="0" smtClean="0"/>
-              <a:t> costs $700 million, clinical trials $150 million. Market size estimated to be 2 million people with 3% growth annually. Estimate gaining 8% market share to grow by 20% each year. A monthly prescription is anticipated to generate </a:t>
+              <a:t> of ensuring that a model is accurate and free from logical errors. How do we do this?</a:t>
+            </a:r>
+          </a:p>
+          <a:p>
+            <a:endParaRPr lang="en-GB" baseline="0" dirty="0" smtClean="0"/>
+          </a:p>
+          <a:p>
+            <a:r>
+              <a:rPr lang="en-GB" baseline="0" dirty="0" smtClean="0"/>
+              <a:t>Design: once inputs </a:t>
             </a:r>
             <a:r>
               <a:rPr lang="en-GB" baseline="0" dirty="0" err="1" smtClean="0"/>
-              <a:t>revenu</a:t>
+              <a:t>etc</a:t>
             </a:r>
             <a:r>
               <a:rPr lang="en-GB" baseline="0" dirty="0" smtClean="0"/>
-              <a:t> of $130 with variable costs of $40. Discount of 9% is assumed.</a:t>
-            </a:r>
+              <a:t> are understood a sketch of model should be designed, separate model inputs from model itself, break complex formulas into smaller parts, easier to read and check results.</a:t>
+            </a:r>
+          </a:p>
+          <a:p>
+            <a:r>
+              <a:rPr lang="en-GB" baseline="0" dirty="0" smtClean="0"/>
+              <a:t>Process: work on each part of model and then move on to the next part to ensure it is correct. Check formulas with simple known numbers. Define names for cells, and be careful referencing cells.</a:t>
+            </a:r>
+          </a:p>
+          <a:p>
+            <a:r>
+              <a:rPr lang="en-GB" baseline="0" dirty="0" smtClean="0"/>
+              <a:t>Inspect: validation – check for a whole number if that is what the formula should have for an input.</a:t>
+            </a:r>
+          </a:p>
+          <a:p>
+            <a:endParaRPr lang="en-GB" baseline="0" dirty="0" smtClean="0"/>
+          </a:p>
+          <a:p>
+            <a:endParaRPr lang="en-GB" baseline="0" dirty="0" smtClean="0"/>
+          </a:p>
+          <a:p>
+            <a:endParaRPr lang="en-GB" baseline="0" dirty="0" smtClean="0"/>
+          </a:p>
+          <a:p>
             <a:endParaRPr lang="en-GB" dirty="0"/>
           </a:p>
         </p:txBody>
@@ -1049,7 +1179,7 @@
           <a:p>
             <a:fld id="{FAC7228E-FB6A-49D8-BE6B-9A7EBC95761B}" type="slidenum">
               <a:rPr lang="en-IE" smtClean="0"/>
-              <a:t>5</a:t>
+              <a:t>4</a:t>
             </a:fld>
             <a:endParaRPr lang="en-IE"/>
           </a:p>
@@ -1058,7 +1188,7 @@
     </p:spTree>
     <p:extLst>
       <p:ext uri="{BB962C8B-B14F-4D97-AF65-F5344CB8AC3E}">
-        <p14:creationId xmlns:p14="http://schemas.microsoft.com/office/powerpoint/2010/main" val="150737449"/>
+        <p14:creationId xmlns:p14="http://schemas.microsoft.com/office/powerpoint/2010/main" val="1272780855"/>
       </p:ext>
     </p:extLst>
   </p:cSld>
@@ -1114,27 +1244,35 @@
           <a:p>
             <a:r>
               <a:rPr lang="en-GB" dirty="0" smtClean="0"/>
-              <a:t>The model is based on a variety of known data,</a:t>
+              <a:t>Many models use basic financial analysis. One example is the decision</a:t>
             </a:r>
             <a:r>
               <a:rPr lang="en-GB" baseline="0" dirty="0" smtClean="0"/>
-              <a:t> estimates and assumptions. Some input are from corporate accounting (discount rate , unit revenue) based on historical data, forecasts or judgmental estimates based on market research or previous </a:t>
+              <a:t> to launch a new product. Pharmaceutical industry, process of </a:t>
             </a:r>
             <a:r>
               <a:rPr lang="en-GB" baseline="0" dirty="0" err="1" smtClean="0"/>
-              <a:t>expreience</a:t>
+              <a:t>r&amp;d</a:t>
             </a:r>
             <a:r>
               <a:rPr lang="en-GB" baseline="0" dirty="0" smtClean="0"/>
-              <a:t> . These contain most likely estimates and shows the drug will be profitable in year 4. however the model is based on some rather tenuous assumptions about market size and growth. Much is uncertain and to use just one scenario would be foolish, the real value in a model is in </a:t>
+              <a:t> is long and costly. This example is where a potential drug is developed and they need to decide whether to bring it to clinical trials or not. </a:t>
             </a:r>
             <a:r>
               <a:rPr lang="en-GB" baseline="0" dirty="0" err="1" smtClean="0"/>
-              <a:t>analyzing</a:t>
+              <a:t>R&amp;d</a:t>
             </a:r>
             <a:r>
               <a:rPr lang="en-GB" baseline="0" dirty="0" smtClean="0"/>
-              <a:t> a variety of scenarios that use ranges of these assumptions.</a:t>
+              <a:t> costs $700 million, clinical trials $150 million. Market size estimated to be 2 million people with 3% growth annually. Estimate gaining 8% market share to grow by 20% each year. A monthly prescription is anticipated to generate </a:t>
+            </a:r>
+            <a:r>
+              <a:rPr lang="en-GB" baseline="0" dirty="0" err="1" smtClean="0"/>
+              <a:t>revenu</a:t>
+            </a:r>
+            <a:r>
+              <a:rPr lang="en-GB" baseline="0" dirty="0" smtClean="0"/>
+              <a:t> of $130 with variable costs of $40. Discount of 9% is assumed.</a:t>
             </a:r>
             <a:endParaRPr lang="en-GB" dirty="0"/>
           </a:p>
@@ -1157,7 +1295,7 @@
           <a:p>
             <a:fld id="{FAC7228E-FB6A-49D8-BE6B-9A7EBC95761B}" type="slidenum">
               <a:rPr lang="en-IE" smtClean="0"/>
-              <a:t>6</a:t>
+              <a:t>5</a:t>
             </a:fld>
             <a:endParaRPr lang="en-IE"/>
           </a:p>
@@ -1166,7 +1304,7 @@
     </p:spTree>
     <p:extLst>
       <p:ext uri="{BB962C8B-B14F-4D97-AF65-F5344CB8AC3E}">
-        <p14:creationId xmlns:p14="http://schemas.microsoft.com/office/powerpoint/2010/main" val="605130707"/>
+        <p14:creationId xmlns:p14="http://schemas.microsoft.com/office/powerpoint/2010/main" val="150737449"/>
       </p:ext>
     </p:extLst>
   </p:cSld>
@@ -1222,38 +1360,28 @@
           <a:p>
             <a:r>
               <a:rPr lang="en-GB" dirty="0" smtClean="0"/>
-              <a:t>Newsvendor model is common</a:t>
+              <a:t>The model is based on a variety of known data,</a:t>
             </a:r>
             <a:r>
               <a:rPr lang="en-GB" baseline="0" dirty="0" smtClean="0"/>
-              <a:t>, purchase with uncertain demand. </a:t>
+              <a:t> estimates and assumptions. Some input are from corporate accounting (discount rate , unit revenue) based on historical data, forecasts or judgmental estimates based on market research or previous </a:t>
             </a:r>
             <a:r>
               <a:rPr lang="en-GB" baseline="0" dirty="0" err="1" smtClean="0"/>
-              <a:t>Dept</a:t>
+              <a:t>expreience</a:t>
             </a:r>
             <a:r>
               <a:rPr lang="en-GB" baseline="0" dirty="0" smtClean="0"/>
-              <a:t> store buyers must purchase seasonal clothing well in advance of the buying season. </a:t>
+              <a:t> . These contain most likely estimates and shows the drug will be profitable in year 4. however the model is based on some rather tenuous assumptions about market size and growth. Much is uncertain and to use just one scenario would be foolish, the real value in a model is in </a:t>
+            </a:r>
+            <a:r>
+              <a:rPr lang="en-GB" baseline="0" dirty="0" err="1" smtClean="0"/>
+              <a:t>analyzing</a:t>
             </a:r>
             <a:r>
               <a:rPr lang="en-GB" baseline="0" dirty="0" smtClean="0"/>
-              <a:t>Street vendor </a:t>
-            </a:r>
-            <a:r>
-              <a:rPr lang="en-GB" baseline="0" dirty="0" smtClean="0"/>
-              <a:t>needs to know how many of something to purchase. Purchasing too few results in lost profit, too many costs you</a:t>
-            </a:r>
-            <a:r>
-              <a:rPr lang="en-GB" baseline="0" dirty="0" smtClean="0"/>
-              <a:t>. D is an uncontrollable variable, Q is the decision variable. If demand is known then the optimum quantity is easy Q=D.</a:t>
-            </a:r>
-            <a:endParaRPr lang="en-GB" baseline="0" dirty="0" smtClean="0"/>
-          </a:p>
-          <a:p>
-            <a:endParaRPr lang="en-GB" baseline="0" dirty="0" smtClean="0"/>
-          </a:p>
-          <a:p>
+              <a:t> a variety of scenarios that use ranges of these assumptions.</a:t>
+            </a:r>
             <a:endParaRPr lang="en-GB" dirty="0"/>
           </a:p>
         </p:txBody>
@@ -1275,7 +1403,7 @@
           <a:p>
             <a:fld id="{FAC7228E-FB6A-49D8-BE6B-9A7EBC95761B}" type="slidenum">
               <a:rPr lang="en-IE" smtClean="0"/>
-              <a:t>7</a:t>
+              <a:t>6</a:t>
             </a:fld>
             <a:endParaRPr lang="en-IE"/>
           </a:p>
@@ -1284,7 +1412,7 @@
     </p:spTree>
     <p:extLst>
       <p:ext uri="{BB962C8B-B14F-4D97-AF65-F5344CB8AC3E}">
-        <p14:creationId xmlns:p14="http://schemas.microsoft.com/office/powerpoint/2010/main" val="793399172"/>
+        <p14:creationId xmlns:p14="http://schemas.microsoft.com/office/powerpoint/2010/main" val="605130707"/>
       </p:ext>
     </p:extLst>
   </p:cSld>
@@ -1340,20 +1468,25 @@
           <a:p>
             <a:r>
               <a:rPr lang="en-GB" dirty="0" smtClean="0"/>
-              <a:t>This shows a candy store with a valentines gift for 12 cost, sell at 18, pervious demand shows 40. We can use an excel</a:t>
+              <a:t>Newsvendor model is common</a:t>
             </a:r>
             <a:r>
               <a:rPr lang="en-GB" baseline="0" dirty="0" smtClean="0"/>
-              <a:t> table to show the options. Higher purchase </a:t>
+              <a:t>, purchase with uncertain demand. </a:t>
             </a:r>
             <a:r>
               <a:rPr lang="en-GB" baseline="0" dirty="0" err="1" smtClean="0"/>
-              <a:t>quantites</a:t>
+              <a:t>Dept</a:t>
             </a:r>
             <a:r>
               <a:rPr lang="en-GB" baseline="0" dirty="0" smtClean="0"/>
-              <a:t> have potential for high profits but carry higher risk.</a:t>
-            </a:r>
+              <a:t> store buyers must purchase seasonal clothing well in advance of the buying season. Street vendor needs to know how many of something to purchase. Purchasing too few results in lost profit, too many costs you. D is an uncontrollable variable, Q is the decision variable. If demand is known then the optimum quantity is easy Q=D.</a:t>
+            </a:r>
+          </a:p>
+          <a:p>
+            <a:endParaRPr lang="en-GB" baseline="0" dirty="0" smtClean="0"/>
+          </a:p>
+          <a:p>
             <a:endParaRPr lang="en-GB" dirty="0"/>
           </a:p>
         </p:txBody>
@@ -1375,7 +1508,7 @@
           <a:p>
             <a:fld id="{FAC7228E-FB6A-49D8-BE6B-9A7EBC95761B}" type="slidenum">
               <a:rPr lang="en-IE" smtClean="0"/>
-              <a:t>8</a:t>
+              <a:t>7</a:t>
             </a:fld>
             <a:endParaRPr lang="en-IE"/>
           </a:p>
@@ -1384,7 +1517,7 @@
     </p:spTree>
     <p:extLst>
       <p:ext uri="{BB962C8B-B14F-4D97-AF65-F5344CB8AC3E}">
-        <p14:creationId xmlns:p14="http://schemas.microsoft.com/office/powerpoint/2010/main" val="1847997998"/>
+        <p14:creationId xmlns:p14="http://schemas.microsoft.com/office/powerpoint/2010/main" val="793399172"/>
       </p:ext>
     </p:extLst>
   </p:cSld>
@@ -1440,52 +1573,20 @@
           <a:p>
             <a:r>
               <a:rPr lang="en-GB" dirty="0" smtClean="0"/>
-              <a:t>Hotels,</a:t>
+              <a:t>This shows a candy store with a valentines gift for 12 cost, sell at 18, pervious demand shows 40. We can use an excel</a:t>
             </a:r>
             <a:r>
               <a:rPr lang="en-GB" baseline="0" dirty="0" smtClean="0"/>
-              <a:t> </a:t>
+              <a:t> table to show the options. Higher purchase </a:t>
             </a:r>
             <a:r>
               <a:rPr lang="en-GB" baseline="0" dirty="0" err="1" smtClean="0"/>
-              <a:t>arilines</a:t>
+              <a:t>quantites</a:t>
             </a:r>
             <a:r>
               <a:rPr lang="en-GB" baseline="0" dirty="0" smtClean="0"/>
-              <a:t>, car rental deal with overbooking to </a:t>
-            </a:r>
-            <a:r>
-              <a:rPr lang="en-GB" baseline="0" dirty="0" err="1" smtClean="0"/>
-              <a:t>effecitivly</a:t>
-            </a:r>
-            <a:r>
-              <a:rPr lang="en-GB" baseline="0" dirty="0" smtClean="0"/>
-              <a:t> fill capacity. Decision is by how much to overbook?</a:t>
-            </a:r>
-          </a:p>
-          <a:p>
-            <a:r>
-              <a:rPr lang="en-GB" baseline="0" dirty="0" smtClean="0"/>
-              <a:t>B12 is the decision variable of how many reservations to accept B13 is the actual demand. Using data tables you could </a:t>
-            </a:r>
-            <a:r>
-              <a:rPr lang="en-GB" baseline="0" dirty="0" err="1" smtClean="0"/>
-              <a:t>analyze</a:t>
-            </a:r>
-            <a:r>
-              <a:rPr lang="en-GB" baseline="0" dirty="0" smtClean="0"/>
-              <a:t> the effect of changes in revenue </a:t>
-            </a:r>
-            <a:r>
-              <a:rPr lang="en-GB" baseline="0" dirty="0" err="1" smtClean="0"/>
-              <a:t>etc</a:t>
-            </a:r>
-            <a:r>
-              <a:rPr lang="en-GB" baseline="0" dirty="0" smtClean="0"/>
-              <a:t> by changing reservation limit, demand and cancellations.</a:t>
-            </a:r>
-          </a:p>
-          <a:p>
+              <a:t> have potential for high profits but carry higher risk.</a:t>
+            </a:r>
             <a:endParaRPr lang="en-GB" dirty="0"/>
           </a:p>
         </p:txBody>
@@ -1507,7 +1608,7 @@
           <a:p>
             <a:fld id="{FAC7228E-FB6A-49D8-BE6B-9A7EBC95761B}" type="slidenum">
               <a:rPr lang="en-IE" smtClean="0"/>
-              <a:t>9</a:t>
+              <a:t>8</a:t>
             </a:fld>
             <a:endParaRPr lang="en-IE"/>
           </a:p>
@@ -1516,7 +1617,7 @@
     </p:spTree>
     <p:extLst>
       <p:ext uri="{BB962C8B-B14F-4D97-AF65-F5344CB8AC3E}">
-        <p14:creationId xmlns:p14="http://schemas.microsoft.com/office/powerpoint/2010/main" val="3198294007"/>
+        <p14:creationId xmlns:p14="http://schemas.microsoft.com/office/powerpoint/2010/main" val="1847997998"/>
       </p:ext>
     </p:extLst>
   </p:cSld>
@@ -1572,11 +1673,49 @@
           <a:p>
             <a:r>
               <a:rPr lang="en-GB" dirty="0" smtClean="0"/>
-              <a:t>Scheduling interrelated</a:t>
+              <a:t>Hotels,</a:t>
             </a:r>
             <a:r>
               <a:rPr lang="en-GB" baseline="0" dirty="0" smtClean="0"/>
-              <a:t> activities. Expected completion time/date, in this assume activity time is constant, </a:t>
+              <a:t> </a:t>
+            </a:r>
+            <a:r>
+              <a:rPr lang="en-GB" baseline="0" dirty="0" err="1" smtClean="0"/>
+              <a:t>arilines</a:t>
+            </a:r>
+            <a:r>
+              <a:rPr lang="en-GB" baseline="0" dirty="0" smtClean="0"/>
+              <a:t>, car rental deal with overbooking to </a:t>
+            </a:r>
+            <a:r>
+              <a:rPr lang="en-GB" baseline="0" dirty="0" err="1" smtClean="0"/>
+              <a:t>effecitivly</a:t>
+            </a:r>
+            <a:r>
+              <a:rPr lang="en-GB" baseline="0" dirty="0" smtClean="0"/>
+              <a:t> fill capacity. Decision is by how much to overbook?</a:t>
+            </a:r>
+          </a:p>
+          <a:p>
+            <a:r>
+              <a:rPr lang="en-GB" baseline="0" dirty="0" smtClean="0"/>
+              <a:t>B12 is the decision variable of how many reservations to accept B13 is the actual demand. Using data tables you could </a:t>
+            </a:r>
+            <a:r>
+              <a:rPr lang="en-GB" baseline="0" dirty="0" err="1" smtClean="0"/>
+              <a:t>analyze</a:t>
+            </a:r>
+            <a:r>
+              <a:rPr lang="en-GB" baseline="0" dirty="0" smtClean="0"/>
+              <a:t> the effect of changes in revenue </a:t>
+            </a:r>
+            <a:r>
+              <a:rPr lang="en-GB" baseline="0" dirty="0" err="1" smtClean="0"/>
+              <a:t>etc</a:t>
+            </a:r>
+            <a:r>
+              <a:rPr lang="en-GB" baseline="0" dirty="0" smtClean="0"/>
+              <a:t> by changing reservation limit, demand and cancellations.</a:t>
             </a:r>
           </a:p>
           <a:p>
@@ -1601,7 +1740,7 @@
           <a:p>
             <a:fld id="{FAC7228E-FB6A-49D8-BE6B-9A7EBC95761B}" type="slidenum">
               <a:rPr lang="en-IE" smtClean="0"/>
-              <a:t>10</a:t>
+              <a:t>9</a:t>
             </a:fld>
             <a:endParaRPr lang="en-IE"/>
           </a:p>
@@ -1610,7 +1749,7 @@
     </p:spTree>
     <p:extLst>
       <p:ext uri="{BB962C8B-B14F-4D97-AF65-F5344CB8AC3E}">
-        <p14:creationId xmlns:p14="http://schemas.microsoft.com/office/powerpoint/2010/main" val="648942495"/>
+        <p14:creationId xmlns:p14="http://schemas.microsoft.com/office/powerpoint/2010/main" val="3198294007"/>
       </p:ext>
     </p:extLst>
   </p:cSld>
@@ -1666,12 +1805,14 @@
           <a:p>
             <a:r>
               <a:rPr lang="en-GB" dirty="0" smtClean="0"/>
-              <a:t>Calculated project completion time. Max, min and if</a:t>
+              <a:t>Scheduling interrelated</a:t>
             </a:r>
             <a:r>
               <a:rPr lang="en-GB" baseline="0" dirty="0" smtClean="0"/>
-              <a:t> functions used. Depends on time for activity, there is a slack for each activity depending on the activity dependencies.</a:t>
-            </a:r>
+              <a:t> activities. Expected completion time/date, in this assume activity time is constant, </a:t>
+            </a:r>
+          </a:p>
+          <a:p>
             <a:endParaRPr lang="en-GB" dirty="0"/>
           </a:p>
         </p:txBody>
@@ -1693,7 +1834,7 @@
           <a:p>
             <a:fld id="{FAC7228E-FB6A-49D8-BE6B-9A7EBC95761B}" type="slidenum">
               <a:rPr lang="en-IE" smtClean="0"/>
-              <a:t>11</a:t>
+              <a:t>10</a:t>
             </a:fld>
             <a:endParaRPr lang="en-IE"/>
           </a:p>
@@ -1702,7 +1843,7 @@
     </p:spTree>
     <p:extLst>
       <p:ext uri="{BB962C8B-B14F-4D97-AF65-F5344CB8AC3E}">
-        <p14:creationId xmlns:p14="http://schemas.microsoft.com/office/powerpoint/2010/main" val="3639205739"/>
+        <p14:creationId xmlns:p14="http://schemas.microsoft.com/office/powerpoint/2010/main" val="648942495"/>
       </p:ext>
     </p:extLst>
   </p:cSld>
@@ -1837,7 +1978,7 @@
           <a:p>
             <a:fld id="{B1A36C92-6815-4E04-A839-A18A43E73973}" type="datetime1">
               <a:rPr lang="en-IE" smtClean="0"/>
-              <a:t>27/02/2015</a:t>
+              <a:t>22/02/2016</a:t>
             </a:fld>
             <a:endParaRPr lang="en-IE"/>
           </a:p>
@@ -2475,7 +2616,7 @@
           <a:p>
             <a:fld id="{AD7BBA22-4AD5-4A47-8229-D5BFCFB85B50}" type="datetime1">
               <a:rPr lang="en-IE" smtClean="0"/>
-              <a:t>27/02/2015</a:t>
+              <a:t>22/02/2016</a:t>
             </a:fld>
             <a:endParaRPr lang="en-IE"/>
           </a:p>
@@ -2757,7 +2898,7 @@
           <a:p>
             <a:fld id="{C638ED94-3AD5-4747-A64C-8B4C64046AD0}" type="datetime1">
               <a:rPr lang="en-IE" smtClean="0"/>
-              <a:t>27/02/2015</a:t>
+              <a:t>22/02/2016</a:t>
             </a:fld>
             <a:endParaRPr lang="en-IE"/>
           </a:p>
@@ -2927,7 +3068,7 @@
           <a:p>
             <a:fld id="{028045C6-6EE4-4432-AF83-758A41562887}" type="datetime1">
               <a:rPr lang="en-IE" smtClean="0"/>
-              <a:t>27/02/2015</a:t>
+              <a:t>22/02/2016</a:t>
             </a:fld>
             <a:endParaRPr lang="en-IE"/>
           </a:p>
@@ -3113,7 +3254,7 @@
           <a:p>
             <a:fld id="{E3F168EB-D606-41AD-A62C-0885EEB9BCF5}" type="datetime1">
               <a:rPr lang="en-IE" smtClean="0"/>
-              <a:t>27/02/2015</a:t>
+              <a:t>22/02/2016</a:t>
             </a:fld>
             <a:endParaRPr lang="en-IE"/>
           </a:p>
@@ -3763,7 +3904,7 @@
           <a:p>
             <a:fld id="{EBE146A5-986D-474B-953D-0B5984D9A801}" type="datetime1">
               <a:rPr lang="en-IE" smtClean="0"/>
-              <a:t>27/02/2015</a:t>
+              <a:t>22/02/2016</a:t>
             </a:fld>
             <a:endParaRPr lang="en-IE"/>
           </a:p>
@@ -4194,7 +4335,7 @@
           <a:p>
             <a:fld id="{6DC4F09C-C47D-4FFD-A7A0-5216420F70BA}" type="datetime1">
               <a:rPr lang="en-IE" smtClean="0"/>
-              <a:t>27/02/2015</a:t>
+              <a:t>22/02/2016</a:t>
             </a:fld>
             <a:endParaRPr lang="en-IE"/>
           </a:p>
@@ -4312,7 +4453,7 @@
           <a:p>
             <a:fld id="{BE36D0FB-A6B6-457A-9608-988E89BD7D9D}" type="datetime1">
               <a:rPr lang="en-IE" smtClean="0"/>
-              <a:t>27/02/2015</a:t>
+              <a:t>22/02/2016</a:t>
             </a:fld>
             <a:endParaRPr lang="en-IE"/>
           </a:p>
@@ -4498,7 +4639,7 @@
           <a:p>
             <a:fld id="{4BEB3C43-1E16-40B6-B2CB-B431175C5A02}" type="datetime1">
               <a:rPr lang="en-IE" smtClean="0"/>
-              <a:t>27/02/2015</a:t>
+              <a:t>22/02/2016</a:t>
             </a:fld>
             <a:endParaRPr lang="en-IE"/>
           </a:p>
@@ -4769,7 +4910,7 @@
           <a:p>
             <a:fld id="{918D548E-6F62-46D9-B097-B499E30F5628}" type="datetime1">
               <a:rPr lang="en-IE" smtClean="0"/>
-              <a:t>27/02/2015</a:t>
+              <a:t>22/02/2016</a:t>
             </a:fld>
             <a:endParaRPr lang="en-IE"/>
           </a:p>
@@ -5244,7 +5385,7 @@
           <a:p>
             <a:fld id="{13A2AD5F-134A-4604-B849-A2250386F03B}" type="datetime1">
               <a:rPr lang="en-IE" smtClean="0"/>
-              <a:t>27/02/2015</a:t>
+              <a:t>22/02/2016</a:t>
             </a:fld>
             <a:endParaRPr lang="en-IE"/>
           </a:p>
@@ -5809,7 +5950,7 @@
           <a:p>
             <a:fld id="{10841152-6114-48DC-A61E-A8E742144FE0}" type="datetime1">
               <a:rPr lang="en-IE" smtClean="0"/>
-              <a:t>27/02/2015</a:t>
+              <a:t>22/02/2016</a:t>
             </a:fld>
             <a:endParaRPr lang="en-IE"/>
           </a:p>
@@ -7096,11 +7237,7 @@
             </a:pPr>
             <a:r>
               <a:rPr lang="en-US" altLang="en-US" dirty="0" smtClean="0"/>
-              <a:t>All </a:t>
-            </a:r>
-            <a:r>
-              <a:rPr lang="en-US" altLang="en-US" dirty="0" smtClean="0"/>
-              <a:t>models reflect assumptions used by the modeler.</a:t>
+              <a:t>All models reflect assumptions used by the modeler.</a:t>
             </a:r>
           </a:p>
           <a:p>
@@ -7133,11 +7270,7 @@
             </a:pPr>
             <a:r>
               <a:rPr lang="en-US" altLang="en-US" dirty="0" smtClean="0"/>
-              <a:t>Assumptions should be clearly stated and </a:t>
-            </a:r>
-            <a:r>
-              <a:rPr lang="en-US" altLang="en-US" dirty="0" smtClean="0"/>
-              <a:t>documented</a:t>
+              <a:t>Assumptions should be clearly stated and documented</a:t>
             </a:r>
           </a:p>
           <a:p>
@@ -7150,7 +7283,6 @@
               <a:rPr lang="en-US" altLang="en-US" dirty="0" smtClean="0"/>
               <a:t>To add more realism to a model generally requires more complexity </a:t>
             </a:r>
-            <a:endParaRPr lang="en-US" altLang="en-US" dirty="0" smtClean="0"/>
           </a:p>
         </p:txBody>
       </p:sp>
@@ -7601,7 +7733,7 @@
             </p:nvSpPr>
             <p:spPr>
               <a:blipFill rotWithShape="1">
-                <a:blip r:embed="rId2"/>
+                <a:blip r:embed="rId3"/>
                 <a:stretch>
                   <a:fillRect t="-1116" r="-1500"/>
                 </a:stretch>
@@ -7908,7 +8040,6 @@
               <a:rPr lang="en-US" altLang="en-US" dirty="0" smtClean="0"/>
               <a:t>Verification </a:t>
             </a:r>
-            <a:endParaRPr lang="en-US" altLang="en-US" dirty="0" smtClean="0"/>
           </a:p>
           <a:p>
             <a:pPr algn="just" eaLnBrk="1" hangingPunct="1">
@@ -7918,11 +8049,7 @@
             </a:pPr>
             <a:r>
               <a:rPr lang="en-US" altLang="en-US" dirty="0" smtClean="0"/>
-              <a:t>Improve </a:t>
-            </a:r>
-            <a:r>
-              <a:rPr lang="en-US" altLang="en-US" dirty="0" smtClean="0"/>
-              <a:t>the design and format of the spreadsheet itself.</a:t>
+              <a:t>Improve the design and format of the spreadsheet itself.</a:t>
             </a:r>
           </a:p>
           <a:p>
@@ -9248,7 +9375,7 @@
   <a:extraClrSchemeLst/>
   <a:extLst>
     <a:ext uri="{05A4C25C-085E-4340-85A3-A5531E510DB2}">
-      <thm15:themeFamily xmlns:thm15="http://schemas.microsoft.com/office/thememl/2012/main" xmlns="" name="analytic" id="{9A28554E-78CD-4F85-AE53-59AAB432ED69}" vid="{CA8F7F4E-8027-487E-91E4-E9646DCEB1B6}"/>
+      <thm15:themeFamily xmlns="" xmlns:thm15="http://schemas.microsoft.com/office/thememl/2012/main" name="analytic" id="{9A28554E-78CD-4F85-AE53-59AAB432ED69}" vid="{CA8F7F4E-8027-487E-91E4-E9646DCEB1B6}"/>
     </a:ext>
   </a:extLst>
 </a:theme>
@@ -9509,7 +9636,7 @@
   <a:extraClrSchemeLst/>
   <a:extLst>
     <a:ext uri="{05A4C25C-085E-4340-85A3-A5531E510DB2}">
-      <thm15:themeFamily xmlns:thm15="http://schemas.microsoft.com/office/thememl/2012/main" xmlns="" name="Office Theme" id="{62F939B6-93AF-4DB8-9C6B-D6C7DFDC589F}" vid="{4A3C46E8-61CC-4603-A589-7422A47A8E4A}"/>
+      <thm15:themeFamily xmlns="" xmlns:thm15="http://schemas.microsoft.com/office/thememl/2012/main" name="Office Theme" id="{62F939B6-93AF-4DB8-9C6B-D6C7DFDC589F}" vid="{4A3C46E8-61CC-4603-A589-7422A47A8E4A}"/>
     </a:ext>
   </a:extLst>
 </a:theme>
